--- a/OPEN SOURCE BLOCKCHAIN.pptx
+++ b/OPEN SOURCE BLOCKCHAIN.pptx
@@ -31,24 +31,25 @@
     <p:sldId id="282" r:id="rId25"/>
     <p:sldId id="283" r:id="rId26"/>
     <p:sldId id="284" r:id="rId27"/>
-    <p:sldId id="285" r:id="rId28"/>
-    <p:sldId id="286" r:id="rId29"/>
-    <p:sldId id="287" r:id="rId30"/>
-    <p:sldId id="288" r:id="rId31"/>
-    <p:sldId id="289" r:id="rId32"/>
-    <p:sldId id="290" r:id="rId33"/>
-    <p:sldId id="291" r:id="rId34"/>
-    <p:sldId id="292" r:id="rId35"/>
-    <p:sldId id="293" r:id="rId36"/>
-    <p:sldId id="294" r:id="rId37"/>
-    <p:sldId id="295" r:id="rId38"/>
-    <p:sldId id="296" r:id="rId39"/>
-    <p:sldId id="297" r:id="rId40"/>
-    <p:sldId id="298" r:id="rId41"/>
-    <p:sldId id="299" r:id="rId42"/>
-    <p:sldId id="271" r:id="rId43"/>
-    <p:sldId id="259" r:id="rId44"/>
-    <p:sldId id="272" r:id="rId45"/>
+    <p:sldId id="300" r:id="rId28"/>
+    <p:sldId id="302" r:id="rId29"/>
+    <p:sldId id="301" r:id="rId30"/>
+    <p:sldId id="287" r:id="rId31"/>
+    <p:sldId id="288" r:id="rId32"/>
+    <p:sldId id="289" r:id="rId33"/>
+    <p:sldId id="290" r:id="rId34"/>
+    <p:sldId id="291" r:id="rId35"/>
+    <p:sldId id="292" r:id="rId36"/>
+    <p:sldId id="293" r:id="rId37"/>
+    <p:sldId id="294" r:id="rId38"/>
+    <p:sldId id="295" r:id="rId39"/>
+    <p:sldId id="296" r:id="rId40"/>
+    <p:sldId id="297" r:id="rId41"/>
+    <p:sldId id="298" r:id="rId42"/>
+    <p:sldId id="299" r:id="rId43"/>
+    <p:sldId id="271" r:id="rId44"/>
+    <p:sldId id="259" r:id="rId45"/>
+    <p:sldId id="272" r:id="rId46"/>
   </p:sldIdLst>
   <p:sldSz cx="12192000" cy="6858000"/>
   <p:notesSz cx="6858000" cy="9144000"/>
@@ -5538,7 +5539,7 @@
           <a:p>
             <a:r>
               <a:rPr lang="es-ES" dirty="0"/>
-              <a:t>BLAOCKCHAIN II</a:t>
+              <a:t>BLOCKCHAIN II</a:t>
             </a:r>
           </a:p>
         </p:txBody>
@@ -6386,7 +6387,12 @@
             <p:ph type="title"/>
           </p:nvPr>
         </p:nvSpPr>
-        <p:spPr/>
+        <p:spPr>
+          <a:xfrm>
+            <a:off x="2231136" y="442333"/>
+            <a:ext cx="7729728" cy="1142628"/>
+          </a:xfrm>
+        </p:spPr>
         <p:txBody>
           <a:bodyPr/>
           <a:lstStyle/>
@@ -6426,12 +6432,124 @@
             <p:ph idx="1"/>
           </p:nvPr>
         </p:nvSpPr>
-        <p:spPr/>
-        <p:txBody>
-          <a:bodyPr/>
-          <a:lstStyle/>
-          <a:p>
-            <a:endParaRPr lang="es-ES"/>
+        <p:spPr>
+          <a:xfrm>
+            <a:off x="914400" y="1789311"/>
+            <a:ext cx="10363200" cy="4788916"/>
+          </a:xfrm>
+        </p:spPr>
+        <p:txBody>
+          <a:bodyPr>
+            <a:normAutofit/>
+          </a:bodyPr>
+          <a:lstStyle/>
+          <a:p>
+            <a:r>
+              <a:rPr lang="es-ES" sz="2400" b="1" dirty="0"/>
+              <a:t>Duración</a:t>
+            </a:r>
+            <a:r>
+              <a:rPr lang="es-ES" sz="2400" dirty="0"/>
+              <a:t>: 7 horas en un único día</a:t>
+            </a:r>
+          </a:p>
+          <a:p>
+            <a:r>
+              <a:rPr lang="es-ES" sz="2400" b="1" dirty="0"/>
+              <a:t>Enfocado</a:t>
+            </a:r>
+            <a:r>
+              <a:rPr lang="es-ES" sz="2400" dirty="0"/>
+              <a:t> a desarrolladores</a:t>
+            </a:r>
+          </a:p>
+          <a:p>
+            <a:r>
+              <a:rPr lang="es-ES" sz="2400" b="1" dirty="0"/>
+              <a:t>Basado en </a:t>
+            </a:r>
+            <a:r>
+              <a:rPr lang="es-ES" sz="2400" dirty="0"/>
+              <a:t>conferencias, discusiones, ejercicios y práctica</a:t>
+            </a:r>
+          </a:p>
+          <a:p>
+            <a:r>
+              <a:rPr lang="es-ES" sz="2400" b="1" dirty="0"/>
+              <a:t>Adquisición</a:t>
+            </a:r>
+            <a:r>
+              <a:rPr lang="es-ES" sz="2400" dirty="0"/>
+              <a:t> de conocimientos tras el curso:</a:t>
+            </a:r>
+          </a:p>
+          <a:p>
+            <a:pPr lvl="1">
+              <a:buFont typeface="Courier New" panose="02070309020205020404" pitchFamily="49" charset="0"/>
+              <a:buChar char="o"/>
+            </a:pPr>
+            <a:r>
+              <a:rPr lang="es-ES" sz="2000" dirty="0"/>
+              <a:t>Desarrollar y desplegar una aplicación distribuida utilizando </a:t>
+            </a:r>
+            <a:r>
+              <a:rPr lang="es-ES" sz="2000" dirty="0" err="1"/>
+              <a:t>blockchain</a:t>
+            </a:r>
+            <a:r>
+              <a:rPr lang="es-ES" sz="2000" dirty="0"/>
+              <a:t> y tecnología de contrato inteligente</a:t>
+            </a:r>
+          </a:p>
+          <a:p>
+            <a:pPr lvl="1">
+              <a:buFont typeface="Courier New" panose="02070309020205020404" pitchFamily="49" charset="0"/>
+              <a:buChar char="o"/>
+            </a:pPr>
+            <a:r>
+              <a:rPr lang="es-ES" sz="2000" dirty="0"/>
+              <a:t>Comprensión del diseño y la funcionalidad de los 'contratos inteligentes' </a:t>
+            </a:r>
+          </a:p>
+          <a:p>
+            <a:pPr lvl="1">
+              <a:buFont typeface="Courier New" panose="02070309020205020404" pitchFamily="49" charset="0"/>
+              <a:buChar char="o"/>
+            </a:pPr>
+            <a:r>
+              <a:rPr lang="es-ES" sz="2000" dirty="0"/>
+              <a:t>Como crear un diseño de los ‘contratos inteligentes’</a:t>
+            </a:r>
+          </a:p>
+          <a:p>
+            <a:r>
+              <a:rPr lang="es-ES" sz="2400" b="1" dirty="0"/>
+              <a:t>Petición de curso </a:t>
+            </a:r>
+            <a:r>
+              <a:rPr lang="es-ES" sz="2400" dirty="0"/>
+              <a:t>a través de un cuestionario</a:t>
+            </a:r>
+          </a:p>
+          <a:p>
+            <a:r>
+              <a:rPr lang="es-ES" sz="2400" b="1" dirty="0"/>
+              <a:t>PRECIO</a:t>
+            </a:r>
+            <a:r>
+              <a:rPr lang="es-ES" sz="2400" dirty="0"/>
+              <a:t>: 2376€ por primer delegado y 150 por delegado adicional</a:t>
+            </a:r>
+          </a:p>
+          <a:p>
+            <a:pPr lvl="1">
+              <a:buFont typeface="Courier New" panose="02070309020205020404" pitchFamily="49" charset="0"/>
+              <a:buChar char="o"/>
+            </a:pPr>
+            <a:endParaRPr lang="es-ES" dirty="0"/>
+          </a:p>
+          <a:p>
+            <a:endParaRPr lang="es-ES" dirty="0"/>
           </a:p>
         </p:txBody>
       </p:sp>
@@ -6470,7 +6588,7 @@
           <p:cNvPr id="2" name="Título 1">
             <a:extLst>
               <a:ext uri="{FF2B5EF4-FFF2-40B4-BE49-F238E27FC236}">
-                <a16:creationId xmlns:a16="http://schemas.microsoft.com/office/drawing/2014/main" id="{AEF50DAF-83C4-4AB3-BE57-3AE1B746FA75}"/>
+                <a16:creationId xmlns:a16="http://schemas.microsoft.com/office/drawing/2014/main" id="{EC77B6BE-151D-446A-99A6-80E3049EED0C}"/>
               </a:ext>
             </a:extLst>
           </p:cNvPr>
@@ -6481,7 +6599,12 @@
             <p:ph type="title"/>
           </p:nvPr>
         </p:nvSpPr>
-        <p:spPr/>
+        <p:spPr>
+          <a:xfrm>
+            <a:off x="2231136" y="442333"/>
+            <a:ext cx="7729728" cy="1142628"/>
+          </a:xfrm>
+        </p:spPr>
         <p:txBody>
           <a:bodyPr/>
           <a:lstStyle/>
@@ -6500,7 +6623,7 @@
             </a:r>
             <a:r>
               <a:rPr lang="es-ES" dirty="0"/>
-              <a:t> ii</a:t>
+              <a:t> i</a:t>
             </a:r>
           </a:p>
         </p:txBody>
@@ -6510,7 +6633,7 @@
           <p:cNvPr id="3" name="Marcador de contenido 2">
             <a:extLst>
               <a:ext uri="{FF2B5EF4-FFF2-40B4-BE49-F238E27FC236}">
-                <a16:creationId xmlns:a16="http://schemas.microsoft.com/office/drawing/2014/main" id="{2C166FBD-53AC-43CB-9F0E-338AB1C17E0F}"/>
+                <a16:creationId xmlns:a16="http://schemas.microsoft.com/office/drawing/2014/main" id="{3529C08B-604F-43D0-8E67-572053815C50}"/>
               </a:ext>
             </a:extLst>
           </p:cNvPr>
@@ -6521,19 +6644,140 @@
             <p:ph idx="1"/>
           </p:nvPr>
         </p:nvSpPr>
-        <p:spPr/>
-        <p:txBody>
-          <a:bodyPr/>
-          <a:lstStyle/>
-          <a:p>
-            <a:endParaRPr lang="es-ES"/>
+        <p:spPr>
+          <a:xfrm>
+            <a:off x="914400" y="1789311"/>
+            <a:ext cx="10363200" cy="4788916"/>
+          </a:xfrm>
+        </p:spPr>
+        <p:txBody>
+          <a:bodyPr>
+            <a:normAutofit/>
+          </a:bodyPr>
+          <a:lstStyle/>
+          <a:p>
+            <a:r>
+              <a:rPr lang="es-ES" sz="2800" b="1" dirty="0"/>
+              <a:t>Pago</a:t>
+            </a:r>
+            <a:r>
+              <a:rPr lang="es-ES" sz="2800" dirty="0"/>
+              <a:t> a través de tarjeta de crédito, débito o </a:t>
+            </a:r>
+            <a:r>
+              <a:rPr lang="es-ES" sz="2800" dirty="0" err="1"/>
+              <a:t>transf</a:t>
+            </a:r>
+            <a:r>
+              <a:rPr lang="es-ES" sz="2800" dirty="0"/>
+              <a:t>. Bancaria</a:t>
+            </a:r>
+          </a:p>
+          <a:p>
+            <a:r>
+              <a:rPr lang="es-ES" sz="2800" b="1" dirty="0"/>
+              <a:t>Incluye</a:t>
+            </a:r>
+            <a:r>
+              <a:rPr lang="es-ES" sz="2800" dirty="0"/>
+              <a:t> entrega del curso y certificado electrónico</a:t>
+            </a:r>
+          </a:p>
+          <a:p>
+            <a:r>
+              <a:rPr lang="es-ES" sz="2800" b="1" dirty="0"/>
+              <a:t>Aconsejable cumplir</a:t>
+            </a:r>
+            <a:r>
+              <a:rPr lang="es-ES" sz="2800" dirty="0"/>
+              <a:t> algunos requisitos para realizar el curso:</a:t>
+            </a:r>
+          </a:p>
+          <a:p>
+            <a:pPr lvl="1">
+              <a:buFont typeface="Courier New" panose="02070309020205020404" pitchFamily="49" charset="0"/>
+              <a:buChar char="o"/>
+            </a:pPr>
+            <a:r>
+              <a:rPr lang="es-ES" sz="2400" dirty="0"/>
+              <a:t>Una comprensión de la tecnología </a:t>
+            </a:r>
+            <a:r>
+              <a:rPr lang="es-ES" sz="2400" dirty="0" err="1"/>
+              <a:t>Blockchain</a:t>
+            </a:r>
+            <a:endParaRPr lang="es-ES" sz="2400" dirty="0"/>
+          </a:p>
+          <a:p>
+            <a:pPr lvl="1">
+              <a:buFont typeface="Courier New" panose="02070309020205020404" pitchFamily="49" charset="0"/>
+              <a:buChar char="o"/>
+            </a:pPr>
+            <a:r>
+              <a:rPr lang="es-ES" sz="2400" dirty="0"/>
+              <a:t>Una comprensión de Bitcoin y la criptografía</a:t>
+            </a:r>
+          </a:p>
+          <a:p>
+            <a:pPr lvl="1">
+              <a:buFont typeface="Courier New" panose="02070309020205020404" pitchFamily="49" charset="0"/>
+              <a:buChar char="o"/>
+            </a:pPr>
+            <a:r>
+              <a:rPr lang="es-ES" sz="2400" dirty="0"/>
+              <a:t>Experiencia de programación de </a:t>
+            </a:r>
+            <a:r>
+              <a:rPr lang="es-ES" sz="2400" dirty="0" err="1"/>
+              <a:t>Javascript</a:t>
+            </a:r>
+            <a:endParaRPr lang="es-ES" sz="2400" dirty="0"/>
+          </a:p>
+          <a:p>
+            <a:pPr lvl="1">
+              <a:buFont typeface="Courier New" panose="02070309020205020404" pitchFamily="49" charset="0"/>
+              <a:buChar char="o"/>
+            </a:pPr>
+            <a:r>
+              <a:rPr lang="es-ES" sz="2400" dirty="0"/>
+              <a:t>Experiencia con la línea de comando de Linux</a:t>
+            </a:r>
+          </a:p>
+          <a:p>
+            <a:r>
+              <a:rPr lang="es-ES" sz="2800" b="1" dirty="0" err="1"/>
+              <a:t>Enlace</a:t>
+            </a:r>
+            <a:r>
+              <a:rPr lang="es-ES" sz="2800" dirty="0" err="1"/>
+              <a:t>:</a:t>
+            </a:r>
+            <a:r>
+              <a:rPr lang="es-ES" sz="2800" u="sng" dirty="0" err="1">
+                <a:hlinkClick r:id="rId2"/>
+              </a:rPr>
+              <a:t>https</a:t>
+            </a:r>
+            <a:r>
+              <a:rPr lang="es-ES" sz="2800" u="sng" dirty="0">
+                <a:hlinkClick r:id="rId2"/>
+              </a:rPr>
+              <a:t>://www.nobleprog.es/curso-monax-crea-una-aplicacion-de-contrato-inteligente</a:t>
+            </a:r>
+            <a:endParaRPr lang="es-ES" sz="2800" dirty="0"/>
+          </a:p>
+          <a:p>
+            <a:pPr marL="228600" lvl="1" indent="0">
+              <a:buNone/>
+            </a:pPr>
+            <a:endParaRPr lang="es-ES" sz="2000" dirty="0"/>
           </a:p>
         </p:txBody>
       </p:sp>
     </p:spTree>
     <p:extLst>
       <p:ext uri="{BB962C8B-B14F-4D97-AF65-F5344CB8AC3E}">
-        <p14:creationId xmlns:p14="http://schemas.microsoft.com/office/powerpoint/2010/main" val="1554943824"/>
+        <p14:creationId xmlns:p14="http://schemas.microsoft.com/office/powerpoint/2010/main" val="1232029099"/>
       </p:ext>
     </p:extLst>
   </p:cSld>
@@ -6565,7 +6809,7 @@
           <p:cNvPr id="2" name="Título 1">
             <a:extLst>
               <a:ext uri="{FF2B5EF4-FFF2-40B4-BE49-F238E27FC236}">
-                <a16:creationId xmlns:a16="http://schemas.microsoft.com/office/drawing/2014/main" id="{DB83C6B4-FA9C-49EA-A389-88EEEC061FC0}"/>
+                <a16:creationId xmlns:a16="http://schemas.microsoft.com/office/drawing/2014/main" id="{EC77B6BE-151D-446A-99A6-80E3049EED0C}"/>
               </a:ext>
             </a:extLst>
           </p:cNvPr>
@@ -6576,7 +6820,12 @@
             <p:ph type="title"/>
           </p:nvPr>
         </p:nvSpPr>
-        <p:spPr/>
+        <p:spPr>
+          <a:xfrm>
+            <a:off x="2231136" y="442333"/>
+            <a:ext cx="7729728" cy="1142628"/>
+          </a:xfrm>
+        </p:spPr>
         <p:txBody>
           <a:bodyPr/>
           <a:lstStyle/>
@@ -6595,8 +6844,13 @@
             </a:r>
             <a:r>
               <a:rPr lang="es-ES" dirty="0"/>
-              <a:t> iii</a:t>
-            </a:r>
+              <a:t> </a:t>
+            </a:r>
+            <a:r>
+              <a:rPr lang="es-ES" dirty="0" err="1"/>
+              <a:t>iI</a:t>
+            </a:r>
+            <a:endParaRPr lang="es-ES" dirty="0"/>
           </a:p>
         </p:txBody>
       </p:sp>
@@ -6605,7 +6859,7 @@
           <p:cNvPr id="3" name="Marcador de contenido 2">
             <a:extLst>
               <a:ext uri="{FF2B5EF4-FFF2-40B4-BE49-F238E27FC236}">
-                <a16:creationId xmlns:a16="http://schemas.microsoft.com/office/drawing/2014/main" id="{38B73613-EEAE-4E7F-8FF8-9EC02D3F645E}"/>
+                <a16:creationId xmlns:a16="http://schemas.microsoft.com/office/drawing/2014/main" id="{3529C08B-604F-43D0-8E67-572053815C50}"/>
               </a:ext>
             </a:extLst>
           </p:cNvPr>
@@ -6616,19 +6870,173 @@
             <p:ph idx="1"/>
           </p:nvPr>
         </p:nvSpPr>
-        <p:spPr/>
-        <p:txBody>
-          <a:bodyPr/>
-          <a:lstStyle/>
-          <a:p>
-            <a:endParaRPr lang="es-ES"/>
+        <p:spPr>
+          <a:xfrm>
+            <a:off x="1793681" y="1931724"/>
+            <a:ext cx="8604637" cy="5283201"/>
+          </a:xfrm>
+        </p:spPr>
+        <p:txBody>
+          <a:bodyPr>
+            <a:normAutofit/>
+          </a:bodyPr>
+          <a:lstStyle/>
+          <a:p>
+            <a:r>
+              <a:rPr lang="es-ES" sz="2400" dirty="0"/>
+              <a:t>Curso </a:t>
+            </a:r>
+            <a:r>
+              <a:rPr lang="es-ES" sz="2400" dirty="0" err="1"/>
+              <a:t>Fintech</a:t>
+            </a:r>
+            <a:r>
+              <a:rPr lang="es-ES" sz="2400" dirty="0"/>
+              <a:t> </a:t>
+            </a:r>
+            <a:r>
+              <a:rPr lang="es-ES" sz="2400" dirty="0" err="1"/>
+              <a:t>Inmersive</a:t>
+            </a:r>
+            <a:r>
+              <a:rPr lang="es-ES" sz="2400" dirty="0"/>
+              <a:t> proporcionado por Byte </a:t>
+            </a:r>
+            <a:r>
+              <a:rPr lang="es-ES" sz="2400" dirty="0" err="1"/>
+              <a:t>Academy</a:t>
+            </a:r>
+            <a:endParaRPr lang="es-ES" sz="2400" dirty="0"/>
+          </a:p>
+          <a:p>
+            <a:r>
+              <a:rPr lang="es-ES" sz="2400" b="1" dirty="0"/>
+              <a:t>Presencial</a:t>
+            </a:r>
+            <a:r>
+              <a:rPr lang="es-ES" sz="2400" dirty="0"/>
+              <a:t> en </a:t>
+            </a:r>
+            <a:r>
+              <a:rPr lang="es-ES" sz="2400" b="1" dirty="0"/>
+              <a:t>múltiples sesiones </a:t>
+            </a:r>
+            <a:r>
+              <a:rPr lang="es-ES" sz="2400" dirty="0"/>
+              <a:t>(L-V)</a:t>
+            </a:r>
+          </a:p>
+          <a:p>
+            <a:r>
+              <a:rPr lang="es-ES" sz="2400" b="1" dirty="0"/>
+              <a:t>Adquisición</a:t>
+            </a:r>
+            <a:r>
+              <a:rPr lang="es-ES" sz="2400" dirty="0"/>
+              <a:t> de conocimientos tras el curso:</a:t>
+            </a:r>
+          </a:p>
+          <a:p>
+            <a:pPr lvl="1" algn="just">
+              <a:buFont typeface="Courier New" panose="02070309020205020404" pitchFamily="49" charset="0"/>
+              <a:buChar char="o"/>
+            </a:pPr>
+            <a:r>
+              <a:rPr lang="es-ES" sz="2000" dirty="0"/>
+              <a:t>Descripción conceptual de </a:t>
+            </a:r>
+            <a:r>
+              <a:rPr lang="es-ES" sz="2000" dirty="0" err="1"/>
+              <a:t>FinTech</a:t>
+            </a:r>
+            <a:r>
+              <a:rPr lang="es-ES" sz="2000" dirty="0"/>
+              <a:t> y áreas dentro de ella, incluyendo préstamos, pagos, criptomonedas / </a:t>
+            </a:r>
+            <a:r>
+              <a:rPr lang="es-ES" sz="2000" b="1" dirty="0" err="1"/>
+              <a:t>blockchain</a:t>
+            </a:r>
+            <a:r>
+              <a:rPr lang="es-ES" sz="2000" dirty="0"/>
+              <a:t>, KYC, seguros (</a:t>
+            </a:r>
+            <a:r>
+              <a:rPr lang="es-ES" sz="2000" dirty="0" err="1"/>
+              <a:t>InsurTech</a:t>
+            </a:r>
+            <a:r>
+              <a:rPr lang="es-ES" sz="2000" dirty="0"/>
+              <a:t>), robo </a:t>
+            </a:r>
+            <a:r>
+              <a:rPr lang="es-ES" sz="2000" dirty="0" err="1"/>
+              <a:t>advisory</a:t>
+            </a:r>
+            <a:r>
+              <a:rPr lang="es-ES" sz="2000" dirty="0"/>
+              <a:t>, tecnología regulatoria (</a:t>
+            </a:r>
+            <a:r>
+              <a:rPr lang="es-ES" sz="2000" dirty="0" err="1"/>
+              <a:t>RegTech</a:t>
+            </a:r>
+            <a:r>
+              <a:rPr lang="es-ES" sz="2000" dirty="0"/>
+              <a:t>) y más.</a:t>
+            </a:r>
+          </a:p>
+          <a:p>
+            <a:pPr lvl="1" algn="just">
+              <a:buFont typeface="Courier New" panose="02070309020205020404" pitchFamily="49" charset="0"/>
+              <a:buChar char="o"/>
+            </a:pPr>
+            <a:r>
+              <a:rPr lang="es-ES" sz="2000" dirty="0"/>
+              <a:t>Las tendencias tecnológicas de </a:t>
+            </a:r>
+            <a:r>
+              <a:rPr lang="es-ES" sz="2000" dirty="0" err="1"/>
+              <a:t>FinTech</a:t>
+            </a:r>
+            <a:r>
+              <a:rPr lang="es-ES" sz="2000" dirty="0"/>
+              <a:t> y sus aplicaciones. Presentación de plataformas y algunas API ampliamente utilizadas dentro de la industria. Las API incluyen a </a:t>
+            </a:r>
+            <a:r>
+              <a:rPr lang="es-ES" sz="2000" dirty="0" err="1"/>
+              <a:t>Xignite</a:t>
+            </a:r>
+            <a:r>
+              <a:rPr lang="es-ES" sz="2000" dirty="0"/>
+              <a:t>, </a:t>
+            </a:r>
+            <a:r>
+              <a:rPr lang="es-ES" sz="2000" dirty="0" err="1"/>
+              <a:t>Yoodle</a:t>
+            </a:r>
+            <a:r>
+              <a:rPr lang="es-ES" sz="2000" dirty="0"/>
+              <a:t>, Bloomberg, IBM, </a:t>
+            </a:r>
+            <a:r>
+              <a:rPr lang="es-ES" sz="2800" b="1" dirty="0" err="1"/>
+              <a:t>Monax</a:t>
+            </a:r>
+            <a:r>
+              <a:rPr lang="es-ES" sz="2000" dirty="0"/>
+              <a:t> entre otros.</a:t>
+            </a:r>
+          </a:p>
+          <a:p>
+            <a:endParaRPr lang="es-ES" sz="2000" dirty="0"/>
           </a:p>
         </p:txBody>
       </p:sp>
     </p:spTree>
     <p:extLst>
       <p:ext uri="{BB962C8B-B14F-4D97-AF65-F5344CB8AC3E}">
-        <p14:creationId xmlns:p14="http://schemas.microsoft.com/office/powerpoint/2010/main" val="695056942"/>
+        <p14:creationId xmlns:p14="http://schemas.microsoft.com/office/powerpoint/2010/main" val="561401701"/>
       </p:ext>
     </p:extLst>
   </p:cSld>
@@ -6657,10 +7065,10 @@
       </p:grpSpPr>
       <p:sp>
         <p:nvSpPr>
-          <p:cNvPr id="4" name="Título 3">
+          <p:cNvPr id="2" name="Título 1">
             <a:extLst>
               <a:ext uri="{FF2B5EF4-FFF2-40B4-BE49-F238E27FC236}">
-                <a16:creationId xmlns:a16="http://schemas.microsoft.com/office/drawing/2014/main" id="{77DB138B-5F33-4304-9CD1-46D32D9FA6F2}"/>
+                <a16:creationId xmlns:a16="http://schemas.microsoft.com/office/drawing/2014/main" id="{EC77B6BE-151D-446A-99A6-80E3049EED0C}"/>
               </a:ext>
             </a:extLst>
           </p:cNvPr>
@@ -6671,24 +7079,46 @@
             <p:ph type="title"/>
           </p:nvPr>
         </p:nvSpPr>
-        <p:spPr/>
-        <p:txBody>
-          <a:bodyPr/>
-          <a:lstStyle/>
-          <a:p>
-            <a:r>
-              <a:rPr lang="es-ES" dirty="0"/>
-              <a:t>Fuentes de información</a:t>
-            </a:r>
-          </a:p>
-        </p:txBody>
-      </p:sp>
-      <p:sp>
-        <p:nvSpPr>
-          <p:cNvPr id="5" name="Marcador de texto 4">
+        <p:spPr>
+          <a:xfrm>
+            <a:off x="2231136" y="442333"/>
+            <a:ext cx="7729728" cy="1142628"/>
+          </a:xfrm>
+        </p:spPr>
+        <p:txBody>
+          <a:bodyPr/>
+          <a:lstStyle/>
+          <a:p>
+            <a:r>
+              <a:rPr lang="es-ES" dirty="0" err="1"/>
+              <a:t>Monax</a:t>
+            </a:r>
+            <a:r>
+              <a:rPr lang="es-ES" dirty="0"/>
+              <a:t>/</a:t>
+            </a:r>
+            <a:r>
+              <a:rPr lang="es-ES" dirty="0" err="1"/>
+              <a:t>eris</a:t>
+            </a:r>
+            <a:r>
+              <a:rPr lang="es-ES" dirty="0"/>
+              <a:t> </a:t>
+            </a:r>
+            <a:r>
+              <a:rPr lang="es-ES" dirty="0" err="1"/>
+              <a:t>iI</a:t>
+            </a:r>
+            <a:endParaRPr lang="es-ES" dirty="0"/>
+          </a:p>
+        </p:txBody>
+      </p:sp>
+      <p:sp>
+        <p:nvSpPr>
+          <p:cNvPr id="3" name="Marcador de contenido 2">
             <a:extLst>
               <a:ext uri="{FF2B5EF4-FFF2-40B4-BE49-F238E27FC236}">
-                <a16:creationId xmlns:a16="http://schemas.microsoft.com/office/drawing/2014/main" id="{A685D6AE-EA89-40F9-A52A-811EBA36112C}"/>
+                <a16:creationId xmlns:a16="http://schemas.microsoft.com/office/drawing/2014/main" id="{3529C08B-604F-43D0-8E67-572053815C50}"/>
               </a:ext>
             </a:extLst>
           </p:cNvPr>
@@ -6696,27 +7126,178 @@
             <a:spLocks noGrp="1"/>
           </p:cNvSpPr>
           <p:nvPr>
-            <p:ph type="body" idx="1"/>
-          </p:nvPr>
-        </p:nvSpPr>
-        <p:spPr/>
+            <p:ph idx="1"/>
+          </p:nvPr>
+        </p:nvSpPr>
+        <p:spPr>
+          <a:xfrm>
+            <a:off x="1970278" y="1793239"/>
+            <a:ext cx="8251444" cy="5283201"/>
+          </a:xfrm>
+        </p:spPr>
         <p:txBody>
           <a:bodyPr>
             <a:normAutofit/>
           </a:bodyPr>
           <a:lstStyle/>
           <a:p>
+            <a:pPr>
+              <a:lnSpc>
+                <a:spcPct val="200000"/>
+              </a:lnSpc>
+            </a:pPr>
+            <a:r>
+              <a:rPr lang="es-ES" sz="2800" b="1" dirty="0"/>
+              <a:t>PRECIO</a:t>
+            </a:r>
+            <a:r>
+              <a:rPr lang="es-ES" sz="2400" dirty="0"/>
+              <a:t>: </a:t>
+            </a:r>
             <a:r>
               <a:rPr lang="es-ES" sz="2800" dirty="0"/>
-              <a:t>CURSOS GRATUITOS</a:t>
-            </a:r>
+              <a:t>12.059</a:t>
+            </a:r>
+            <a:r>
+              <a:rPr lang="es-ES" sz="2400" dirty="0"/>
+              <a:t>€</a:t>
+            </a:r>
+          </a:p>
+          <a:p>
+            <a:pPr>
+              <a:lnSpc>
+                <a:spcPct val="200000"/>
+              </a:lnSpc>
+            </a:pPr>
+            <a:r>
+              <a:rPr lang="es-ES" sz="2400" dirty="0" err="1"/>
+              <a:t>Enlace:</a:t>
+            </a:r>
+            <a:r>
+              <a:rPr lang="es-ES" sz="2400" u="sng" dirty="0" err="1">
+                <a:hlinkClick r:id="rId2"/>
+              </a:rPr>
+              <a:t>https</a:t>
+            </a:r>
+            <a:r>
+              <a:rPr lang="es-ES" sz="2400" u="sng" dirty="0">
+                <a:hlinkClick r:id="rId2"/>
+              </a:rPr>
+              <a:t>://coursehorse.com/</a:t>
+            </a:r>
+            <a:r>
+              <a:rPr lang="es-ES" sz="2400" u="sng" dirty="0" err="1">
+                <a:hlinkClick r:id="rId2"/>
+              </a:rPr>
+              <a:t>nyc</a:t>
+            </a:r>
+            <a:r>
+              <a:rPr lang="es-ES" sz="2400" u="sng" dirty="0">
+                <a:hlinkClick r:id="rId2"/>
+              </a:rPr>
+              <a:t>/</a:t>
+            </a:r>
+            <a:r>
+              <a:rPr lang="es-ES" sz="2400" u="sng" dirty="0" err="1">
+                <a:hlinkClick r:id="rId2"/>
+              </a:rPr>
+              <a:t>classes</a:t>
+            </a:r>
+            <a:r>
+              <a:rPr lang="es-ES" sz="2400" u="sng" dirty="0">
+                <a:hlinkClick r:id="rId2"/>
+              </a:rPr>
+              <a:t>/</a:t>
+            </a:r>
+            <a:r>
+              <a:rPr lang="es-ES" sz="2400" u="sng" dirty="0" err="1">
+                <a:hlinkClick r:id="rId2"/>
+              </a:rPr>
+              <a:t>professional</a:t>
+            </a:r>
+            <a:r>
+              <a:rPr lang="es-ES" sz="2400" u="sng" dirty="0">
+                <a:hlinkClick r:id="rId2"/>
+              </a:rPr>
+              <a:t>/</a:t>
+            </a:r>
+            <a:r>
+              <a:rPr lang="es-ES" sz="2400" u="sng" dirty="0" err="1">
+                <a:hlinkClick r:id="rId2"/>
+              </a:rPr>
+              <a:t>business</a:t>
+            </a:r>
+            <a:r>
+              <a:rPr lang="es-ES" sz="2400" u="sng" dirty="0">
+                <a:hlinkClick r:id="rId2"/>
+              </a:rPr>
+              <a:t>/</a:t>
+            </a:r>
+            <a:r>
+              <a:rPr lang="es-ES" sz="2400" u="sng" dirty="0" err="1">
+                <a:hlinkClick r:id="rId2"/>
+              </a:rPr>
+              <a:t>finance</a:t>
+            </a:r>
+            <a:r>
+              <a:rPr lang="es-ES" sz="2400" u="sng" dirty="0">
+                <a:hlinkClick r:id="rId2"/>
+              </a:rPr>
+              <a:t>/</a:t>
+            </a:r>
+            <a:r>
+              <a:rPr lang="es-ES" sz="2400" u="sng" dirty="0" err="1">
+                <a:hlinkClick r:id="rId2"/>
+              </a:rPr>
+              <a:t>fintech-immersive</a:t>
+            </a:r>
+            <a:r>
+              <a:rPr lang="es-ES" sz="2400" u="sng" dirty="0">
+                <a:hlinkClick r:id="rId2"/>
+              </a:rPr>
+              <a:t>#/</a:t>
+            </a:r>
+            <a:r>
+              <a:rPr lang="es-ES" sz="2400" u="sng" dirty="0" err="1">
+                <a:hlinkClick r:id="rId2"/>
+              </a:rPr>
+              <a:t>class-description</a:t>
+            </a:r>
+            <a:r>
+              <a:rPr lang="es-ES" sz="2400" dirty="0"/>
+              <a:t> </a:t>
+            </a:r>
+          </a:p>
+          <a:p>
+            <a:pPr>
+              <a:lnSpc>
+                <a:spcPct val="200000"/>
+              </a:lnSpc>
+            </a:pPr>
+            <a:r>
+              <a:rPr lang="es-ES" sz="2400" dirty="0"/>
+              <a:t>Enlace del plan de estudios: </a:t>
+            </a:r>
+            <a:r>
+              <a:rPr lang="es-ES" sz="2400" u="sng" dirty="0">
+                <a:hlinkClick r:id="rId3"/>
+              </a:rPr>
+              <a:t>http://byteacademy.co/wp-content/uploads/2017/06/Fintech.pdf</a:t>
+            </a:r>
+            <a:r>
+              <a:rPr lang="es-ES" sz="2400" dirty="0"/>
+              <a:t> </a:t>
+            </a:r>
+          </a:p>
+          <a:p>
+            <a:endParaRPr lang="es-ES" sz="2000" dirty="0"/>
           </a:p>
         </p:txBody>
       </p:sp>
     </p:spTree>
     <p:extLst>
       <p:ext uri="{BB962C8B-B14F-4D97-AF65-F5344CB8AC3E}">
-        <p14:creationId xmlns:p14="http://schemas.microsoft.com/office/powerpoint/2010/main" val="857720548"/>
+        <p14:creationId xmlns:p14="http://schemas.microsoft.com/office/powerpoint/2010/main" val="816690178"/>
       </p:ext>
     </p:extLst>
   </p:cSld>
@@ -6813,10 +7394,10 @@
       </p:grpSpPr>
       <p:sp>
         <p:nvSpPr>
-          <p:cNvPr id="2" name="Título 1">
+          <p:cNvPr id="4" name="Título 3">
             <a:extLst>
               <a:ext uri="{FF2B5EF4-FFF2-40B4-BE49-F238E27FC236}">
-                <a16:creationId xmlns:a16="http://schemas.microsoft.com/office/drawing/2014/main" id="{D835ECA3-527D-420A-A442-EE9982EC42B9}"/>
+                <a16:creationId xmlns:a16="http://schemas.microsoft.com/office/drawing/2014/main" id="{77DB138B-5F33-4304-9CD1-46D32D9FA6F2}"/>
               </a:ext>
             </a:extLst>
           </p:cNvPr>
@@ -6833,22 +7414,18 @@
           <a:lstStyle/>
           <a:p>
             <a:r>
-              <a:rPr lang="es-ES" dirty="0" err="1"/>
-              <a:t>Blockchain</a:t>
-            </a:r>
-            <a:r>
-              <a:rPr lang="es-ES" dirty="0"/>
-              <a:t> I</a:t>
-            </a:r>
-          </a:p>
-        </p:txBody>
-      </p:sp>
-      <p:sp>
-        <p:nvSpPr>
-          <p:cNvPr id="3" name="Marcador de contenido 2">
+              <a:rPr lang="es-ES" dirty="0"/>
+              <a:t>Fuentes de información</a:t>
+            </a:r>
+          </a:p>
+        </p:txBody>
+      </p:sp>
+      <p:sp>
+        <p:nvSpPr>
+          <p:cNvPr id="5" name="Marcador de texto 4">
             <a:extLst>
               <a:ext uri="{FF2B5EF4-FFF2-40B4-BE49-F238E27FC236}">
-                <a16:creationId xmlns:a16="http://schemas.microsoft.com/office/drawing/2014/main" id="{6E3B5235-D122-4CC3-B6C6-3ECA61AA65A6}"/>
+                <a16:creationId xmlns:a16="http://schemas.microsoft.com/office/drawing/2014/main" id="{A685D6AE-EA89-40F9-A52A-811EBA36112C}"/>
               </a:ext>
             </a:extLst>
           </p:cNvPr>
@@ -6856,22 +7433,27 @@
             <a:spLocks noGrp="1"/>
           </p:cNvSpPr>
           <p:nvPr>
-            <p:ph idx="1"/>
+            <p:ph type="body" idx="1"/>
           </p:nvPr>
         </p:nvSpPr>
         <p:spPr/>
         <p:txBody>
-          <a:bodyPr/>
-          <a:lstStyle/>
-          <a:p>
-            <a:endParaRPr lang="es-ES"/>
+          <a:bodyPr>
+            <a:normAutofit/>
+          </a:bodyPr>
+          <a:lstStyle/>
+          <a:p>
+            <a:r>
+              <a:rPr lang="es-ES" sz="2800" dirty="0"/>
+              <a:t>CURSOS GRATUITOS</a:t>
+            </a:r>
           </a:p>
         </p:txBody>
       </p:sp>
     </p:spTree>
     <p:extLst>
       <p:ext uri="{BB962C8B-B14F-4D97-AF65-F5344CB8AC3E}">
-        <p14:creationId xmlns:p14="http://schemas.microsoft.com/office/powerpoint/2010/main" val="1707053391"/>
+        <p14:creationId xmlns:p14="http://schemas.microsoft.com/office/powerpoint/2010/main" val="857720548"/>
       </p:ext>
     </p:extLst>
   </p:cSld>
@@ -6903,7 +7485,7 @@
           <p:cNvPr id="2" name="Título 1">
             <a:extLst>
               <a:ext uri="{FF2B5EF4-FFF2-40B4-BE49-F238E27FC236}">
-                <a16:creationId xmlns:a16="http://schemas.microsoft.com/office/drawing/2014/main" id="{5FC95F75-671C-4F77-8B39-ECFCEC753D1C}"/>
+                <a16:creationId xmlns:a16="http://schemas.microsoft.com/office/drawing/2014/main" id="{D835ECA3-527D-420A-A442-EE9982EC42B9}"/>
               </a:ext>
             </a:extLst>
           </p:cNvPr>
@@ -6925,7 +7507,7 @@
             </a:r>
             <a:r>
               <a:rPr lang="es-ES" dirty="0"/>
-              <a:t> II</a:t>
+              <a:t> I</a:t>
             </a:r>
           </a:p>
         </p:txBody>
@@ -6935,7 +7517,7 @@
           <p:cNvPr id="3" name="Marcador de contenido 2">
             <a:extLst>
               <a:ext uri="{FF2B5EF4-FFF2-40B4-BE49-F238E27FC236}">
-                <a16:creationId xmlns:a16="http://schemas.microsoft.com/office/drawing/2014/main" id="{DD012F25-7982-40BC-9338-D677E38A134F}"/>
+                <a16:creationId xmlns:a16="http://schemas.microsoft.com/office/drawing/2014/main" id="{6E3B5235-D122-4CC3-B6C6-3ECA61AA65A6}"/>
               </a:ext>
             </a:extLst>
           </p:cNvPr>
@@ -6958,7 +7540,7 @@
     </p:spTree>
     <p:extLst>
       <p:ext uri="{BB962C8B-B14F-4D97-AF65-F5344CB8AC3E}">
-        <p14:creationId xmlns:p14="http://schemas.microsoft.com/office/powerpoint/2010/main" val="3483434241"/>
+        <p14:creationId xmlns:p14="http://schemas.microsoft.com/office/powerpoint/2010/main" val="1707053391"/>
       </p:ext>
     </p:extLst>
   </p:cSld>
@@ -6990,7 +7572,7 @@
           <p:cNvPr id="2" name="Título 1">
             <a:extLst>
               <a:ext uri="{FF2B5EF4-FFF2-40B4-BE49-F238E27FC236}">
-                <a16:creationId xmlns:a16="http://schemas.microsoft.com/office/drawing/2014/main" id="{2B0C3CFF-0ECC-4656-A827-BDF20B30677E}"/>
+                <a16:creationId xmlns:a16="http://schemas.microsoft.com/office/drawing/2014/main" id="{5FC95F75-671C-4F77-8B39-ECFCEC753D1C}"/>
               </a:ext>
             </a:extLst>
           </p:cNvPr>
@@ -7012,7 +7594,7 @@
             </a:r>
             <a:r>
               <a:rPr lang="es-ES" dirty="0"/>
-              <a:t> III</a:t>
+              <a:t> II</a:t>
             </a:r>
           </a:p>
         </p:txBody>
@@ -7022,7 +7604,7 @@
           <p:cNvPr id="3" name="Marcador de contenido 2">
             <a:extLst>
               <a:ext uri="{FF2B5EF4-FFF2-40B4-BE49-F238E27FC236}">
-                <a16:creationId xmlns:a16="http://schemas.microsoft.com/office/drawing/2014/main" id="{02BA8A8E-DFB2-47A8-8307-7E1479823AC4}"/>
+                <a16:creationId xmlns:a16="http://schemas.microsoft.com/office/drawing/2014/main" id="{DD012F25-7982-40BC-9338-D677E38A134F}"/>
               </a:ext>
             </a:extLst>
           </p:cNvPr>
@@ -7045,7 +7627,7 @@
     </p:spTree>
     <p:extLst>
       <p:ext uri="{BB962C8B-B14F-4D97-AF65-F5344CB8AC3E}">
-        <p14:creationId xmlns:p14="http://schemas.microsoft.com/office/powerpoint/2010/main" val="1813144544"/>
+        <p14:creationId xmlns:p14="http://schemas.microsoft.com/office/powerpoint/2010/main" val="3483434241"/>
       </p:ext>
     </p:extLst>
   </p:cSld>
@@ -7077,7 +7659,7 @@
           <p:cNvPr id="2" name="Título 1">
             <a:extLst>
               <a:ext uri="{FF2B5EF4-FFF2-40B4-BE49-F238E27FC236}">
-                <a16:creationId xmlns:a16="http://schemas.microsoft.com/office/drawing/2014/main" id="{70C0992B-9379-4C98-8DDD-8410B2169C6D}"/>
+                <a16:creationId xmlns:a16="http://schemas.microsoft.com/office/drawing/2014/main" id="{2B0C3CFF-0ECC-4656-A827-BDF20B30677E}"/>
               </a:ext>
             </a:extLst>
           </p:cNvPr>
@@ -7094,8 +7676,12 @@
           <a:lstStyle/>
           <a:p>
             <a:r>
-              <a:rPr lang="es-ES" dirty="0"/>
-              <a:t>MULTICHAIN I</a:t>
+              <a:rPr lang="es-ES" dirty="0" err="1"/>
+              <a:t>Blockchain</a:t>
+            </a:r>
+            <a:r>
+              <a:rPr lang="es-ES" dirty="0"/>
+              <a:t> III</a:t>
             </a:r>
           </a:p>
         </p:txBody>
@@ -7105,7 +7691,7 @@
           <p:cNvPr id="3" name="Marcador de contenido 2">
             <a:extLst>
               <a:ext uri="{FF2B5EF4-FFF2-40B4-BE49-F238E27FC236}">
-                <a16:creationId xmlns:a16="http://schemas.microsoft.com/office/drawing/2014/main" id="{44BAACDD-671A-4B04-9713-68CE1CC38E8A}"/>
+                <a16:creationId xmlns:a16="http://schemas.microsoft.com/office/drawing/2014/main" id="{02BA8A8E-DFB2-47A8-8307-7E1479823AC4}"/>
               </a:ext>
             </a:extLst>
           </p:cNvPr>
@@ -7128,7 +7714,7 @@
     </p:spTree>
     <p:extLst>
       <p:ext uri="{BB962C8B-B14F-4D97-AF65-F5344CB8AC3E}">
-        <p14:creationId xmlns:p14="http://schemas.microsoft.com/office/powerpoint/2010/main" val="2099129563"/>
+        <p14:creationId xmlns:p14="http://schemas.microsoft.com/office/powerpoint/2010/main" val="1813144544"/>
       </p:ext>
     </p:extLst>
   </p:cSld>
@@ -7160,7 +7746,7 @@
           <p:cNvPr id="2" name="Título 1">
             <a:extLst>
               <a:ext uri="{FF2B5EF4-FFF2-40B4-BE49-F238E27FC236}">
-                <a16:creationId xmlns:a16="http://schemas.microsoft.com/office/drawing/2014/main" id="{D193697D-673C-4E0B-8126-5BAF94861939}"/>
+                <a16:creationId xmlns:a16="http://schemas.microsoft.com/office/drawing/2014/main" id="{70C0992B-9379-4C98-8DDD-8410B2169C6D}"/>
               </a:ext>
             </a:extLst>
           </p:cNvPr>
@@ -7178,7 +7764,7 @@
           <a:p>
             <a:r>
               <a:rPr lang="es-ES" dirty="0"/>
-              <a:t>MULTICHAIN II</a:t>
+              <a:t>MULTICHAIN I</a:t>
             </a:r>
           </a:p>
         </p:txBody>
@@ -7188,7 +7774,7 @@
           <p:cNvPr id="3" name="Marcador de contenido 2">
             <a:extLst>
               <a:ext uri="{FF2B5EF4-FFF2-40B4-BE49-F238E27FC236}">
-                <a16:creationId xmlns:a16="http://schemas.microsoft.com/office/drawing/2014/main" id="{0DE6DD4C-1968-4A08-BA4A-3418E67CD0F5}"/>
+                <a16:creationId xmlns:a16="http://schemas.microsoft.com/office/drawing/2014/main" id="{44BAACDD-671A-4B04-9713-68CE1CC38E8A}"/>
               </a:ext>
             </a:extLst>
           </p:cNvPr>
@@ -7211,7 +7797,7 @@
     </p:spTree>
     <p:extLst>
       <p:ext uri="{BB962C8B-B14F-4D97-AF65-F5344CB8AC3E}">
-        <p14:creationId xmlns:p14="http://schemas.microsoft.com/office/powerpoint/2010/main" val="1912487449"/>
+        <p14:creationId xmlns:p14="http://schemas.microsoft.com/office/powerpoint/2010/main" val="2099129563"/>
       </p:ext>
     </p:extLst>
   </p:cSld>
@@ -7243,7 +7829,7 @@
           <p:cNvPr id="2" name="Título 1">
             <a:extLst>
               <a:ext uri="{FF2B5EF4-FFF2-40B4-BE49-F238E27FC236}">
-                <a16:creationId xmlns:a16="http://schemas.microsoft.com/office/drawing/2014/main" id="{28F0D372-1BD9-47DA-8E9B-4DC8BF2E52E7}"/>
+                <a16:creationId xmlns:a16="http://schemas.microsoft.com/office/drawing/2014/main" id="{D193697D-673C-4E0B-8126-5BAF94861939}"/>
               </a:ext>
             </a:extLst>
           </p:cNvPr>
@@ -7261,7 +7847,7 @@
           <a:p>
             <a:r>
               <a:rPr lang="es-ES" dirty="0"/>
-              <a:t>MULTICHAIN III</a:t>
+              <a:t>MULTICHAIN II</a:t>
             </a:r>
           </a:p>
         </p:txBody>
@@ -7271,7 +7857,7 @@
           <p:cNvPr id="3" name="Marcador de contenido 2">
             <a:extLst>
               <a:ext uri="{FF2B5EF4-FFF2-40B4-BE49-F238E27FC236}">
-                <a16:creationId xmlns:a16="http://schemas.microsoft.com/office/drawing/2014/main" id="{06657D3B-5556-4BA0-8B66-5A250E1517F5}"/>
+                <a16:creationId xmlns:a16="http://schemas.microsoft.com/office/drawing/2014/main" id="{0DE6DD4C-1968-4A08-BA4A-3418E67CD0F5}"/>
               </a:ext>
             </a:extLst>
           </p:cNvPr>
@@ -7294,7 +7880,7 @@
     </p:spTree>
     <p:extLst>
       <p:ext uri="{BB962C8B-B14F-4D97-AF65-F5344CB8AC3E}">
-        <p14:creationId xmlns:p14="http://schemas.microsoft.com/office/powerpoint/2010/main" val="1627264609"/>
+        <p14:creationId xmlns:p14="http://schemas.microsoft.com/office/powerpoint/2010/main" val="1912487449"/>
       </p:ext>
     </p:extLst>
   </p:cSld>
@@ -7326,7 +7912,7 @@
           <p:cNvPr id="2" name="Título 1">
             <a:extLst>
               <a:ext uri="{FF2B5EF4-FFF2-40B4-BE49-F238E27FC236}">
-                <a16:creationId xmlns:a16="http://schemas.microsoft.com/office/drawing/2014/main" id="{DA46A31C-9A85-4370-A261-16977D310243}"/>
+                <a16:creationId xmlns:a16="http://schemas.microsoft.com/office/drawing/2014/main" id="{28F0D372-1BD9-47DA-8E9B-4DC8BF2E52E7}"/>
               </a:ext>
             </a:extLst>
           </p:cNvPr>
@@ -7344,7 +7930,7 @@
           <a:p>
             <a:r>
               <a:rPr lang="es-ES" dirty="0"/>
-              <a:t>MONAX/ERIS I</a:t>
+              <a:t>MULTICHAIN III</a:t>
             </a:r>
           </a:p>
         </p:txBody>
@@ -7354,7 +7940,7 @@
           <p:cNvPr id="3" name="Marcador de contenido 2">
             <a:extLst>
               <a:ext uri="{FF2B5EF4-FFF2-40B4-BE49-F238E27FC236}">
-                <a16:creationId xmlns:a16="http://schemas.microsoft.com/office/drawing/2014/main" id="{79005CC8-7E98-4ACB-9B9B-86940333D264}"/>
+                <a16:creationId xmlns:a16="http://schemas.microsoft.com/office/drawing/2014/main" id="{06657D3B-5556-4BA0-8B66-5A250E1517F5}"/>
               </a:ext>
             </a:extLst>
           </p:cNvPr>
@@ -7377,7 +7963,7 @@
     </p:spTree>
     <p:extLst>
       <p:ext uri="{BB962C8B-B14F-4D97-AF65-F5344CB8AC3E}">
-        <p14:creationId xmlns:p14="http://schemas.microsoft.com/office/powerpoint/2010/main" val="2629174124"/>
+        <p14:creationId xmlns:p14="http://schemas.microsoft.com/office/powerpoint/2010/main" val="1627264609"/>
       </p:ext>
     </p:extLst>
   </p:cSld>
@@ -7406,10 +7992,10 @@
       </p:grpSpPr>
       <p:sp>
         <p:nvSpPr>
-          <p:cNvPr id="4" name="Título 3">
+          <p:cNvPr id="2" name="Título 1">
             <a:extLst>
               <a:ext uri="{FF2B5EF4-FFF2-40B4-BE49-F238E27FC236}">
-                <a16:creationId xmlns:a16="http://schemas.microsoft.com/office/drawing/2014/main" id="{4F19BA53-BBDE-4DD8-A5C8-68D65BC4A6C4}"/>
+                <a16:creationId xmlns:a16="http://schemas.microsoft.com/office/drawing/2014/main" id="{DA46A31C-9A85-4370-A261-16977D310243}"/>
               </a:ext>
             </a:extLst>
           </p:cNvPr>
@@ -7420,27 +8006,47 @@
             <p:ph type="title"/>
           </p:nvPr>
         </p:nvSpPr>
-        <p:spPr>
-          <a:xfrm>
-            <a:off x="1600200" y="2386744"/>
-            <a:ext cx="8991600" cy="1645920"/>
-          </a:xfrm>
-        </p:spPr>
-        <p:txBody>
-          <a:bodyPr/>
-          <a:lstStyle/>
-          <a:p>
-            <a:r>
-              <a:rPr lang="es-ES" dirty="0"/>
-              <a:t>AYUDAS ECONÓMICAS PARA ESTUDIAR BLOCKCHAIN</a:t>
-            </a:r>
+        <p:spPr/>
+        <p:txBody>
+          <a:bodyPr/>
+          <a:lstStyle/>
+          <a:p>
+            <a:r>
+              <a:rPr lang="es-ES" dirty="0"/>
+              <a:t>MONAX/ERIS I</a:t>
+            </a:r>
+          </a:p>
+        </p:txBody>
+      </p:sp>
+      <p:sp>
+        <p:nvSpPr>
+          <p:cNvPr id="3" name="Marcador de contenido 2">
+            <a:extLst>
+              <a:ext uri="{FF2B5EF4-FFF2-40B4-BE49-F238E27FC236}">
+                <a16:creationId xmlns:a16="http://schemas.microsoft.com/office/drawing/2014/main" id="{79005CC8-7E98-4ACB-9B9B-86940333D264}"/>
+              </a:ext>
+            </a:extLst>
+          </p:cNvPr>
+          <p:cNvSpPr>
+            <a:spLocks noGrp="1"/>
+          </p:cNvSpPr>
+          <p:nvPr>
+            <p:ph idx="1"/>
+          </p:nvPr>
+        </p:nvSpPr>
+        <p:spPr/>
+        <p:txBody>
+          <a:bodyPr/>
+          <a:lstStyle/>
+          <a:p>
+            <a:endParaRPr lang="es-ES"/>
           </a:p>
         </p:txBody>
       </p:sp>
     </p:spTree>
     <p:extLst>
       <p:ext uri="{BB962C8B-B14F-4D97-AF65-F5344CB8AC3E}">
-        <p14:creationId xmlns:p14="http://schemas.microsoft.com/office/powerpoint/2010/main" val="3916469362"/>
+        <p14:creationId xmlns:p14="http://schemas.microsoft.com/office/powerpoint/2010/main" val="2629174124"/>
       </p:ext>
     </p:extLst>
   </p:cSld>
@@ -7472,7 +8078,7 @@
           <p:cNvPr id="4" name="Título 3">
             <a:extLst>
               <a:ext uri="{FF2B5EF4-FFF2-40B4-BE49-F238E27FC236}">
-                <a16:creationId xmlns:a16="http://schemas.microsoft.com/office/drawing/2014/main" id="{C4390CC0-F047-402D-A4DA-4337F4707D8E}"/>
+                <a16:creationId xmlns:a16="http://schemas.microsoft.com/office/drawing/2014/main" id="{4F19BA53-BBDE-4DD8-A5C8-68D65BC4A6C4}"/>
               </a:ext>
             </a:extLst>
           </p:cNvPr>
@@ -7485,8 +8091,8 @@
         </p:nvSpPr>
         <p:spPr>
           <a:xfrm>
-            <a:off x="2391156" y="868680"/>
-            <a:ext cx="7729728" cy="1188720"/>
+            <a:off x="1600200" y="2386744"/>
+            <a:ext cx="8991600" cy="1645920"/>
           </a:xfrm>
         </p:spPr>
         <p:txBody>
@@ -7496,108 +8102,6 @@
             <a:r>
               <a:rPr lang="es-ES" dirty="0"/>
               <a:t>AYUDAS ECONÓMICAS PARA ESTUDIAR BLOCKCHAIN</a:t>
-            </a:r>
-          </a:p>
-        </p:txBody>
-      </p:sp>
-      <p:sp>
-        <p:nvSpPr>
-          <p:cNvPr id="5" name="Marcador de contenido 4">
-            <a:extLst>
-              <a:ext uri="{FF2B5EF4-FFF2-40B4-BE49-F238E27FC236}">
-                <a16:creationId xmlns:a16="http://schemas.microsoft.com/office/drawing/2014/main" id="{B39FED89-81AE-46F6-9F6C-99724E18F36A}"/>
-              </a:ext>
-            </a:extLst>
-          </p:cNvPr>
-          <p:cNvSpPr>
-            <a:spLocks noGrp="1"/>
-          </p:cNvSpPr>
-          <p:nvPr>
-            <p:ph idx="1"/>
-          </p:nvPr>
-        </p:nvSpPr>
-        <p:spPr>
-          <a:xfrm>
-            <a:off x="1472184" y="2674620"/>
-            <a:ext cx="9247632" cy="3611880"/>
-          </a:xfrm>
-        </p:spPr>
-        <p:txBody>
-          <a:bodyPr/>
-          <a:lstStyle/>
-          <a:p>
-            <a:r>
-              <a:rPr lang="es-ES" dirty="0"/>
-              <a:t>Beca como desarrollador en BlockChain</a:t>
-            </a:r>
-          </a:p>
-          <a:p>
-            <a:pPr lvl="1"/>
-            <a:r>
-              <a:rPr lang="es-ES" dirty="0"/>
-              <a:t>Tener estudios mínimos de Ingeniería Superior-Ingeniería Informática</a:t>
-            </a:r>
-          </a:p>
-          <a:p>
-            <a:pPr lvl="1"/>
-            <a:r>
-              <a:rPr lang="es-ES" dirty="0"/>
-              <a:t>NO es necesario tener experiencia mínima</a:t>
-            </a:r>
-          </a:p>
-          <a:p>
-            <a:pPr lvl="1"/>
-            <a:r>
-              <a:rPr lang="es-ES" dirty="0"/>
-              <a:t>Conocimientos en: Api </a:t>
-            </a:r>
-            <a:r>
-              <a:rPr lang="es-ES" dirty="0" err="1"/>
-              <a:t>Rest</a:t>
-            </a:r>
-            <a:r>
-              <a:rPr lang="es-ES" dirty="0"/>
-              <a:t>, Python y PHP</a:t>
-            </a:r>
-          </a:p>
-          <a:p>
-            <a:r>
-              <a:rPr lang="es-ES" dirty="0"/>
-              <a:t>Beca del Ministerio de Educación para los estudio de postgrado en </a:t>
-            </a:r>
-            <a:r>
-              <a:rPr lang="es-ES" dirty="0" err="1"/>
-              <a:t>BlackChain</a:t>
-            </a:r>
-            <a:r>
-              <a:rPr lang="es-ES" dirty="0"/>
-              <a:t> que ofrece la Universidad</a:t>
-            </a:r>
-          </a:p>
-          <a:p>
-            <a:r>
-              <a:rPr lang="es-ES" dirty="0"/>
-              <a:t>Becas de trabajo remuneradas en empresas</a:t>
-            </a:r>
-          </a:p>
-          <a:p>
-            <a:r>
-              <a:rPr lang="es-ES" dirty="0"/>
-              <a:t>Beca para el curso sobre BlockChain que ofrece la Universidad Europea de Madrid</a:t>
-            </a:r>
-          </a:p>
-          <a:p>
-            <a:r>
-              <a:rPr lang="es-ES" dirty="0"/>
-              <a:t>La página oficial de </a:t>
-            </a:r>
-            <a:r>
-              <a:rPr lang="es-ES" dirty="0" err="1"/>
-              <a:t>MultiChain</a:t>
-            </a:r>
-            <a:r>
-              <a:rPr lang="es-ES" dirty="0"/>
-              <a:t> proporciona descuentos para un curso de BlockChain</a:t>
             </a:r>
           </a:p>
         </p:txBody>
@@ -7605,7 +8109,7 @@
     </p:spTree>
     <p:extLst>
       <p:ext uri="{BB962C8B-B14F-4D97-AF65-F5344CB8AC3E}">
-        <p14:creationId xmlns:p14="http://schemas.microsoft.com/office/powerpoint/2010/main" val="665784722"/>
+        <p14:creationId xmlns:p14="http://schemas.microsoft.com/office/powerpoint/2010/main" val="3916469362"/>
       </p:ext>
     </p:extLst>
   </p:cSld>
@@ -7637,7 +8141,7 @@
           <p:cNvPr id="4" name="Título 3">
             <a:extLst>
               <a:ext uri="{FF2B5EF4-FFF2-40B4-BE49-F238E27FC236}">
-                <a16:creationId xmlns:a16="http://schemas.microsoft.com/office/drawing/2014/main" id="{EAF48F86-9C78-42F9-A114-FCE61174FE2C}"/>
+                <a16:creationId xmlns:a16="http://schemas.microsoft.com/office/drawing/2014/main" id="{C4390CC0-F047-402D-A4DA-4337F4707D8E}"/>
               </a:ext>
             </a:extLst>
           </p:cNvPr>
@@ -7648,14 +8152,121 @@
             <p:ph type="title"/>
           </p:nvPr>
         </p:nvSpPr>
-        <p:spPr/>
-        <p:txBody>
-          <a:bodyPr/>
-          <a:lstStyle/>
-          <a:p>
-            <a:r>
-              <a:rPr lang="es-ES" dirty="0"/>
-              <a:t>Recursos para implementar las tecnologías</a:t>
+        <p:spPr>
+          <a:xfrm>
+            <a:off x="2391156" y="868680"/>
+            <a:ext cx="7729728" cy="1188720"/>
+          </a:xfrm>
+        </p:spPr>
+        <p:txBody>
+          <a:bodyPr/>
+          <a:lstStyle/>
+          <a:p>
+            <a:r>
+              <a:rPr lang="es-ES" dirty="0"/>
+              <a:t>AYUDAS ECONÓMICAS PARA ESTUDIAR BLOCKCHAIN</a:t>
+            </a:r>
+          </a:p>
+        </p:txBody>
+      </p:sp>
+      <p:sp>
+        <p:nvSpPr>
+          <p:cNvPr id="5" name="Marcador de contenido 4">
+            <a:extLst>
+              <a:ext uri="{FF2B5EF4-FFF2-40B4-BE49-F238E27FC236}">
+                <a16:creationId xmlns:a16="http://schemas.microsoft.com/office/drawing/2014/main" id="{B39FED89-81AE-46F6-9F6C-99724E18F36A}"/>
+              </a:ext>
+            </a:extLst>
+          </p:cNvPr>
+          <p:cNvSpPr>
+            <a:spLocks noGrp="1"/>
+          </p:cNvSpPr>
+          <p:nvPr>
+            <p:ph idx="1"/>
+          </p:nvPr>
+        </p:nvSpPr>
+        <p:spPr>
+          <a:xfrm>
+            <a:off x="1472184" y="2674620"/>
+            <a:ext cx="9247632" cy="3611880"/>
+          </a:xfrm>
+        </p:spPr>
+        <p:txBody>
+          <a:bodyPr/>
+          <a:lstStyle/>
+          <a:p>
+            <a:r>
+              <a:rPr lang="es-ES" dirty="0"/>
+              <a:t>Beca como desarrollador en BlockChain</a:t>
+            </a:r>
+          </a:p>
+          <a:p>
+            <a:pPr lvl="1"/>
+            <a:r>
+              <a:rPr lang="es-ES" dirty="0"/>
+              <a:t>Tener estudios mínimos de Ingeniería Superior-Ingeniería Informática</a:t>
+            </a:r>
+          </a:p>
+          <a:p>
+            <a:pPr lvl="1"/>
+            <a:r>
+              <a:rPr lang="es-ES" dirty="0"/>
+              <a:t>NO es necesario tener experiencia mínima</a:t>
+            </a:r>
+          </a:p>
+          <a:p>
+            <a:pPr lvl="1"/>
+            <a:r>
+              <a:rPr lang="es-ES" dirty="0"/>
+              <a:t>Conocimientos en: Api </a:t>
+            </a:r>
+            <a:r>
+              <a:rPr lang="es-ES" dirty="0" err="1"/>
+              <a:t>Rest</a:t>
+            </a:r>
+            <a:r>
+              <a:rPr lang="es-ES" dirty="0"/>
+              <a:t>, Python y PHP</a:t>
+            </a:r>
+          </a:p>
+          <a:p>
+            <a:r>
+              <a:rPr lang="es-ES" dirty="0"/>
+              <a:t>Beca del Ministerio de Educación para los estudio de postgrado en </a:t>
+            </a:r>
+            <a:r>
+              <a:rPr lang="es-ES" dirty="0" err="1"/>
+              <a:t>BlackChain</a:t>
+            </a:r>
+            <a:r>
+              <a:rPr lang="es-ES" dirty="0"/>
+              <a:t> que ofrece la Universidad</a:t>
+            </a:r>
+          </a:p>
+          <a:p>
+            <a:r>
+              <a:rPr lang="es-ES" dirty="0"/>
+              <a:t>Becas de trabajo remuneradas en empresas</a:t>
+            </a:r>
+          </a:p>
+          <a:p>
+            <a:r>
+              <a:rPr lang="es-ES" dirty="0"/>
+              <a:t>Beca para el curso sobre BlockChain que ofrece la Universidad Europea de Madrid</a:t>
+            </a:r>
+          </a:p>
+          <a:p>
+            <a:r>
+              <a:rPr lang="es-ES" dirty="0"/>
+              <a:t>La página oficial de </a:t>
+            </a:r>
+            <a:r>
+              <a:rPr lang="es-ES" dirty="0" err="1"/>
+              <a:t>MultiChain</a:t>
+            </a:r>
+            <a:r>
+              <a:rPr lang="es-ES" dirty="0"/>
+              <a:t> proporciona descuentos para un curso de BlockChain</a:t>
             </a:r>
           </a:p>
         </p:txBody>
@@ -7663,7 +8274,7 @@
     </p:spTree>
     <p:extLst>
       <p:ext uri="{BB962C8B-B14F-4D97-AF65-F5344CB8AC3E}">
-        <p14:creationId xmlns:p14="http://schemas.microsoft.com/office/powerpoint/2010/main" val="971717402"/>
+        <p14:creationId xmlns:p14="http://schemas.microsoft.com/office/powerpoint/2010/main" val="665784722"/>
       </p:ext>
     </p:extLst>
   </p:cSld>
@@ -7823,10 +8434,10 @@
       </p:grpSpPr>
       <p:sp>
         <p:nvSpPr>
-          <p:cNvPr id="2" name="Título 1">
+          <p:cNvPr id="4" name="Título 3">
             <a:extLst>
               <a:ext uri="{FF2B5EF4-FFF2-40B4-BE49-F238E27FC236}">
-                <a16:creationId xmlns:a16="http://schemas.microsoft.com/office/drawing/2014/main" id="{543F8FA5-6E5A-4196-9E27-EFB4506B3803}"/>
+                <a16:creationId xmlns:a16="http://schemas.microsoft.com/office/drawing/2014/main" id="{EAF48F86-9C78-42F9-A114-FCE61174FE2C}"/>
               </a:ext>
             </a:extLst>
           </p:cNvPr>
@@ -7844,132 +8455,15 @@
           <a:p>
             <a:r>
               <a:rPr lang="es-ES" dirty="0"/>
-              <a:t>MULTICHAIN</a:t>
-            </a:r>
-          </a:p>
-        </p:txBody>
-      </p:sp>
-      <p:sp>
-        <p:nvSpPr>
-          <p:cNvPr id="3" name="Marcador de contenido 2">
-            <a:extLst>
-              <a:ext uri="{FF2B5EF4-FFF2-40B4-BE49-F238E27FC236}">
-                <a16:creationId xmlns:a16="http://schemas.microsoft.com/office/drawing/2014/main" id="{D5FABA4C-3738-4CDA-937B-E726D55AB2B4}"/>
-              </a:ext>
-            </a:extLst>
-          </p:cNvPr>
-          <p:cNvSpPr>
-            <a:spLocks noGrp="1"/>
-          </p:cNvSpPr>
-          <p:nvPr>
-            <p:ph idx="1"/>
-          </p:nvPr>
-        </p:nvSpPr>
-        <p:spPr>
-          <a:xfrm>
-            <a:off x="2231136" y="2462089"/>
-            <a:ext cx="7729728" cy="3912207"/>
-          </a:xfrm>
-        </p:spPr>
-        <p:txBody>
-          <a:bodyPr/>
-          <a:lstStyle/>
-          <a:p>
-            <a:r>
-              <a:rPr lang="es-ES" b="1" dirty="0"/>
-              <a:t>GRATUTITO</a:t>
-            </a:r>
-          </a:p>
-          <a:p>
-            <a:pPr lvl="1"/>
-            <a:r>
-              <a:rPr lang="es-ES" dirty="0"/>
-              <a:t>Descarga del software en la página oficial de </a:t>
-            </a:r>
-            <a:r>
-              <a:rPr lang="es-ES" dirty="0" err="1"/>
-              <a:t>MultiChain</a:t>
-            </a:r>
-            <a:endParaRPr lang="es-ES" dirty="0"/>
-          </a:p>
-          <a:p>
-            <a:pPr marL="228600" lvl="1" indent="0" algn="ctr">
-              <a:buNone/>
-            </a:pPr>
-            <a:r>
-              <a:rPr lang="es-ES" u="sng" dirty="0">
-                <a:hlinkClick r:id="rId2"/>
-              </a:rPr>
-              <a:t>https://www.multichain.com/</a:t>
-            </a:r>
-            <a:endParaRPr lang="es-ES" dirty="0"/>
-          </a:p>
-          <a:p>
-            <a:pPr lvl="1"/>
-            <a:r>
-              <a:rPr lang="es-ES" dirty="0"/>
-              <a:t>Maquinas virtuales de Linux gratuitas. Por ejemplo:</a:t>
-            </a:r>
-          </a:p>
-          <a:p>
-            <a:pPr marL="228600" lvl="1" indent="0" algn="ctr">
-              <a:buNone/>
-            </a:pPr>
-            <a:r>
-              <a:rPr lang="es-ES" u="sng" dirty="0">
-                <a:hlinkClick r:id="rId3"/>
-              </a:rPr>
-              <a:t>https://www.virtualbox.org/</a:t>
-            </a:r>
-            <a:r>
-              <a:rPr lang="es-ES" dirty="0"/>
-              <a:t> </a:t>
-            </a:r>
-          </a:p>
-          <a:p>
-            <a:r>
-              <a:rPr lang="es-ES" b="1" dirty="0"/>
-              <a:t>NO GRATUITO</a:t>
-            </a:r>
-          </a:p>
-          <a:p>
-            <a:pPr lvl="1"/>
-            <a:r>
-              <a:rPr lang="es-ES" dirty="0"/>
-              <a:t>En caso de que la máquina virtual sea de Windows habrá que pagar la licencia correspondiente.</a:t>
-            </a:r>
-          </a:p>
-          <a:p>
-            <a:pPr lvl="1"/>
-            <a:r>
-              <a:rPr lang="es-ES" dirty="0"/>
-              <a:t>136€ + 3,95€ de gatos de envío</a:t>
-            </a:r>
-          </a:p>
-          <a:p>
-            <a:pPr marL="228600" lvl="1" indent="0" algn="ctr">
-              <a:buNone/>
-            </a:pPr>
-            <a:r>
-              <a:rPr lang="es-ES" u="sng" dirty="0">
-                <a:hlinkClick r:id="rId4"/>
-              </a:rPr>
-              <a:t>https://www.pccomponentes.com/microsoft-windows-10-pro-64bits-oem</a:t>
-            </a:r>
-            <a:endParaRPr lang="es-ES" dirty="0"/>
-          </a:p>
-          <a:p>
-            <a:pPr marL="228600" lvl="1" indent="0">
-              <a:buNone/>
-            </a:pPr>
-            <a:endParaRPr lang="es-ES" dirty="0"/>
+              <a:t>Recursos para implementar las tecnologías</a:t>
+            </a:r>
           </a:p>
         </p:txBody>
       </p:sp>
     </p:spTree>
     <p:extLst>
       <p:ext uri="{BB962C8B-B14F-4D97-AF65-F5344CB8AC3E}">
-        <p14:creationId xmlns:p14="http://schemas.microsoft.com/office/powerpoint/2010/main" val="85718595"/>
+        <p14:creationId xmlns:p14="http://schemas.microsoft.com/office/powerpoint/2010/main" val="971717402"/>
       </p:ext>
     </p:extLst>
   </p:cSld>
@@ -8001,7 +8495,7 @@
           <p:cNvPr id="2" name="Título 1">
             <a:extLst>
               <a:ext uri="{FF2B5EF4-FFF2-40B4-BE49-F238E27FC236}">
-                <a16:creationId xmlns:a16="http://schemas.microsoft.com/office/drawing/2014/main" id="{92AA7E46-37C2-43CD-8795-6BAF81D2EEDD}"/>
+                <a16:creationId xmlns:a16="http://schemas.microsoft.com/office/drawing/2014/main" id="{543F8FA5-6E5A-4196-9E27-EFB4506B3803}"/>
               </a:ext>
             </a:extLst>
           </p:cNvPr>
@@ -8012,14 +8506,19 @@
             <p:ph type="title"/>
           </p:nvPr>
         </p:nvSpPr>
-        <p:spPr/>
-        <p:txBody>
-          <a:bodyPr/>
-          <a:lstStyle/>
-          <a:p>
-            <a:r>
-              <a:rPr lang="es-ES" dirty="0"/>
-              <a:t>MONAX/ERIS</a:t>
+        <p:spPr>
+          <a:xfrm>
+            <a:off x="2231136" y="527370"/>
+            <a:ext cx="7729728" cy="1188720"/>
+          </a:xfrm>
+        </p:spPr>
+        <p:txBody>
+          <a:bodyPr/>
+          <a:lstStyle/>
+          <a:p>
+            <a:r>
+              <a:rPr lang="es-ES" dirty="0"/>
+              <a:t>MULTICHAIN</a:t>
             </a:r>
           </a:p>
         </p:txBody>
@@ -8029,7 +8528,7 @@
           <p:cNvPr id="3" name="Marcador de contenido 2">
             <a:extLst>
               <a:ext uri="{FF2B5EF4-FFF2-40B4-BE49-F238E27FC236}">
-                <a16:creationId xmlns:a16="http://schemas.microsoft.com/office/drawing/2014/main" id="{318CE4CC-6E73-4DA5-917A-996B0F1B9B58}"/>
+                <a16:creationId xmlns:a16="http://schemas.microsoft.com/office/drawing/2014/main" id="{D5FABA4C-3738-4CDA-937B-E726D55AB2B4}"/>
               </a:ext>
             </a:extLst>
           </p:cNvPr>
@@ -8040,19 +8539,111 @@
             <p:ph idx="1"/>
           </p:nvPr>
         </p:nvSpPr>
-        <p:spPr/>
-        <p:txBody>
-          <a:bodyPr/>
-          <a:lstStyle/>
-          <a:p>
-            <a:endParaRPr lang="es-ES"/>
+        <p:spPr>
+          <a:xfrm>
+            <a:off x="2231136" y="2089934"/>
+            <a:ext cx="7729728" cy="4240696"/>
+          </a:xfrm>
+        </p:spPr>
+        <p:txBody>
+          <a:bodyPr/>
+          <a:lstStyle/>
+          <a:p>
+            <a:r>
+              <a:rPr lang="es-ES" sz="2000" b="1" dirty="0"/>
+              <a:t>GRATUTITO</a:t>
+            </a:r>
+          </a:p>
+          <a:p>
+            <a:pPr lvl="1"/>
+            <a:r>
+              <a:rPr lang="es-ES" sz="1800" dirty="0"/>
+              <a:t>Descarga del software en la página oficial de </a:t>
+            </a:r>
+            <a:r>
+              <a:rPr lang="es-ES" sz="1800" dirty="0" err="1"/>
+              <a:t>MultiChain</a:t>
+            </a:r>
+            <a:endParaRPr lang="es-ES" sz="1800" dirty="0"/>
+          </a:p>
+          <a:p>
+            <a:pPr marL="228600" lvl="1" indent="0" algn="ctr">
+              <a:buNone/>
+            </a:pPr>
+            <a:r>
+              <a:rPr lang="es-ES" u="sng" dirty="0">
+                <a:hlinkClick r:id="rId2"/>
+              </a:rPr>
+              <a:t>https://www.multichain.com/</a:t>
+            </a:r>
+            <a:endParaRPr lang="es-ES" dirty="0"/>
+          </a:p>
+          <a:p>
+            <a:pPr lvl="1"/>
+            <a:r>
+              <a:rPr lang="es-ES" sz="1800" dirty="0"/>
+              <a:t>Maquinas virtuales de Linux gratuitas. Por ejemplo:</a:t>
+            </a:r>
+          </a:p>
+          <a:p>
+            <a:pPr marL="228600" lvl="1" indent="0" algn="ctr">
+              <a:buNone/>
+            </a:pPr>
+            <a:r>
+              <a:rPr lang="es-ES" u="sng" dirty="0">
+                <a:hlinkClick r:id="rId3"/>
+              </a:rPr>
+              <a:t>https://www.virtualbox.org/</a:t>
+            </a:r>
+            <a:r>
+              <a:rPr lang="es-ES" dirty="0"/>
+              <a:t> </a:t>
+            </a:r>
+          </a:p>
+          <a:p>
+            <a:r>
+              <a:rPr lang="es-ES" sz="2000" b="1" dirty="0"/>
+              <a:t>NO GRATUITO</a:t>
+            </a:r>
+          </a:p>
+          <a:p>
+            <a:pPr lvl="1"/>
+            <a:r>
+              <a:rPr lang="es-ES" sz="1800" dirty="0"/>
+              <a:t>En caso de que la máquina virtual sea de Windows habrá que pagar la licencia correspondiente.</a:t>
+            </a:r>
+          </a:p>
+          <a:p>
+            <a:pPr lvl="1"/>
+            <a:r>
+              <a:rPr lang="es-ES" sz="1800" dirty="0"/>
+              <a:t>136€ + 3,95€ de gatos de envío</a:t>
+            </a:r>
+          </a:p>
+          <a:p>
+            <a:pPr marL="228600" lvl="1" indent="0" algn="ctr">
+              <a:buNone/>
+            </a:pPr>
+            <a:r>
+              <a:rPr lang="es-ES" u="sng" dirty="0">
+                <a:hlinkClick r:id="rId4"/>
+              </a:rPr>
+              <a:t>https://www.pccomponentes.com/microsoft-windows-10-pro-64bits-oem</a:t>
+            </a:r>
+            <a:endParaRPr lang="es-ES" dirty="0"/>
+          </a:p>
+          <a:p>
+            <a:pPr marL="228600" lvl="1" indent="0">
+              <a:buNone/>
+            </a:pPr>
+            <a:endParaRPr lang="es-ES" dirty="0"/>
           </a:p>
         </p:txBody>
       </p:sp>
     </p:spTree>
     <p:extLst>
       <p:ext uri="{BB962C8B-B14F-4D97-AF65-F5344CB8AC3E}">
-        <p14:creationId xmlns:p14="http://schemas.microsoft.com/office/powerpoint/2010/main" val="1339846398"/>
+        <p14:creationId xmlns:p14="http://schemas.microsoft.com/office/powerpoint/2010/main" val="85718595"/>
       </p:ext>
     </p:extLst>
   </p:cSld>
@@ -8081,10 +8672,10 @@
       </p:grpSpPr>
       <p:sp>
         <p:nvSpPr>
-          <p:cNvPr id="4" name="Título 3">
+          <p:cNvPr id="4" name="Marcador de contenido 2">
             <a:extLst>
               <a:ext uri="{FF2B5EF4-FFF2-40B4-BE49-F238E27FC236}">
-                <a16:creationId xmlns:a16="http://schemas.microsoft.com/office/drawing/2014/main" id="{77F0510F-1690-4E9B-803E-EEBCA3E7BE8C}"/>
+                <a16:creationId xmlns:a16="http://schemas.microsoft.com/office/drawing/2014/main" id="{42B2CB4A-E9F9-4ECC-843C-372DA36BE96B}"/>
               </a:ext>
             </a:extLst>
           </p:cNvPr>
@@ -8092,17 +8683,283 @@
             <a:spLocks noGrp="1"/>
           </p:cNvSpPr>
           <p:nvPr>
-            <p:ph type="title"/>
-          </p:nvPr>
-        </p:nvSpPr>
-        <p:spPr/>
-        <p:txBody>
-          <a:bodyPr/>
-          <a:lstStyle/>
-          <a:p>
-            <a:r>
-              <a:rPr lang="es-ES" dirty="0"/>
-              <a:t>Conclusión</a:t>
+            <p:ph idx="1"/>
+          </p:nvPr>
+        </p:nvSpPr>
+        <p:spPr>
+          <a:xfrm>
+            <a:off x="1685676" y="2089934"/>
+            <a:ext cx="8820647" cy="4240696"/>
+          </a:xfrm>
+        </p:spPr>
+        <p:txBody>
+          <a:bodyPr/>
+          <a:lstStyle/>
+          <a:p>
+            <a:r>
+              <a:rPr lang="es-ES" sz="2000" b="1" dirty="0"/>
+              <a:t>GRATUTITO</a:t>
+            </a:r>
+          </a:p>
+          <a:p>
+            <a:pPr lvl="1">
+              <a:buFont typeface="Courier New" panose="02070309020205020404" pitchFamily="49" charset="0"/>
+              <a:buChar char="o"/>
+            </a:pPr>
+            <a:r>
+              <a:rPr lang="es-ES" sz="1800" dirty="0"/>
+              <a:t>Descarga del </a:t>
+            </a:r>
+            <a:r>
+              <a:rPr lang="es-ES" sz="1800" b="1" dirty="0"/>
+              <a:t>software</a:t>
+            </a:r>
+            <a:r>
+              <a:rPr lang="es-ES" sz="1800" dirty="0"/>
+              <a:t> en la página oficial de </a:t>
+            </a:r>
+            <a:r>
+              <a:rPr lang="es-ES" sz="1800" dirty="0" err="1"/>
+              <a:t>Monax</a:t>
+            </a:r>
+            <a:r>
+              <a:rPr lang="es-ES" sz="1800" dirty="0"/>
+              <a:t>.</a:t>
+            </a:r>
+          </a:p>
+          <a:p>
+            <a:pPr marL="0" indent="0" algn="ctr">
+              <a:buNone/>
+            </a:pPr>
+            <a:r>
+              <a:rPr lang="es-ES" u="sng" dirty="0">
+                <a:hlinkClick r:id="rId2"/>
+              </a:rPr>
+              <a:t>https://monax.io/</a:t>
+            </a:r>
+            <a:endParaRPr lang="es-ES" dirty="0"/>
+          </a:p>
+          <a:p>
+            <a:pPr lvl="1">
+              <a:buFont typeface="Courier New" panose="02070309020205020404" pitchFamily="49" charset="0"/>
+              <a:buChar char="o"/>
+            </a:pPr>
+            <a:r>
+              <a:rPr lang="es-ES" dirty="0"/>
+              <a:t>Uso de </a:t>
+            </a:r>
+            <a:r>
+              <a:rPr lang="es-ES" b="1" dirty="0"/>
+              <a:t>máquinas virtuales gratuitas </a:t>
+            </a:r>
+            <a:r>
+              <a:rPr lang="es-ES" dirty="0"/>
+              <a:t>para la implementación.</a:t>
+            </a:r>
+          </a:p>
+          <a:p>
+            <a:r>
+              <a:rPr lang="es-ES" sz="2000" b="1" dirty="0"/>
+              <a:t>NO GRATUITO</a:t>
+            </a:r>
+          </a:p>
+          <a:p>
+            <a:pPr lvl="1">
+              <a:buFont typeface="Courier New" panose="02070309020205020404" pitchFamily="49" charset="0"/>
+              <a:buChar char="o"/>
+            </a:pPr>
+            <a:r>
+              <a:rPr lang="es-ES" sz="1800" b="1" dirty="0"/>
+              <a:t>Pago de fianzas</a:t>
+            </a:r>
+            <a:r>
+              <a:rPr lang="es-ES" sz="1800" dirty="0"/>
+              <a:t> para actualizaciones instantáneas, mejoras de código y corrección de errores.</a:t>
+            </a:r>
+          </a:p>
+          <a:p>
+            <a:pPr lvl="2">
+              <a:buFont typeface="Wingdings" panose="05000000000000000000" pitchFamily="2" charset="2"/>
+              <a:buChar char="Ø"/>
+            </a:pPr>
+            <a:r>
+              <a:rPr lang="es-ES" b="1" dirty="0"/>
+              <a:t>1er</a:t>
+            </a:r>
+            <a:r>
+              <a:rPr lang="es-ES" dirty="0"/>
+              <a:t> </a:t>
+            </a:r>
+            <a:r>
+              <a:rPr lang="es-ES" b="1" dirty="0"/>
+              <a:t>nivel</a:t>
+            </a:r>
+            <a:r>
+              <a:rPr lang="es-ES" dirty="0"/>
+              <a:t> de licencia de desarrollo para SDK y módulos adicionales </a:t>
+            </a:r>
+            <a:r>
+              <a:rPr lang="es-ES" dirty="0">
+                <a:sym typeface="Wingdings" panose="05000000000000000000" pitchFamily="2" charset="2"/>
+              </a:rPr>
+              <a:t> tarifa </a:t>
+            </a:r>
+            <a:r>
+              <a:rPr lang="es-ES" b="1" dirty="0">
+                <a:sym typeface="Wingdings" panose="05000000000000000000" pitchFamily="2" charset="2"/>
+              </a:rPr>
+              <a:t>mensual</a:t>
+            </a:r>
+            <a:r>
+              <a:rPr lang="es-ES" dirty="0">
+                <a:sym typeface="Wingdings" panose="05000000000000000000" pitchFamily="2" charset="2"/>
+              </a:rPr>
+              <a:t>.</a:t>
+            </a:r>
+          </a:p>
+          <a:p>
+            <a:pPr lvl="2">
+              <a:buFont typeface="Wingdings" panose="05000000000000000000" pitchFamily="2" charset="2"/>
+              <a:buChar char="Ø"/>
+            </a:pPr>
+            <a:r>
+              <a:rPr lang="es-ES" b="1" dirty="0">
+                <a:sym typeface="Wingdings" panose="05000000000000000000" pitchFamily="2" charset="2"/>
+              </a:rPr>
+              <a:t>2º</a:t>
+            </a:r>
+            <a:r>
+              <a:rPr lang="es-ES" dirty="0">
+                <a:sym typeface="Wingdings" panose="05000000000000000000" pitchFamily="2" charset="2"/>
+              </a:rPr>
+              <a:t> </a:t>
+            </a:r>
+            <a:r>
+              <a:rPr lang="es-ES" b="1" dirty="0">
+                <a:sym typeface="Wingdings" panose="05000000000000000000" pitchFamily="2" charset="2"/>
+              </a:rPr>
+              <a:t>nivel</a:t>
+            </a:r>
+            <a:r>
+              <a:rPr lang="es-ES" dirty="0">
+                <a:sym typeface="Wingdings" panose="05000000000000000000" pitchFamily="2" charset="2"/>
+              </a:rPr>
+              <a:t> de licencia de desarrollo </a:t>
+            </a:r>
+            <a:r>
+              <a:rPr lang="es-ES" dirty="0" err="1">
+                <a:sym typeface="Wingdings" panose="05000000000000000000" pitchFamily="2" charset="2"/>
+              </a:rPr>
+              <a:t>apra</a:t>
+            </a:r>
+            <a:r>
+              <a:rPr lang="es-ES" dirty="0">
+                <a:sym typeface="Wingdings" panose="05000000000000000000" pitchFamily="2" charset="2"/>
+              </a:rPr>
+              <a:t> SDK y módulos adicionales  tarifa </a:t>
+            </a:r>
+            <a:r>
+              <a:rPr lang="es-ES" b="1" dirty="0">
+                <a:sym typeface="Wingdings" panose="05000000000000000000" pitchFamily="2" charset="2"/>
+              </a:rPr>
+              <a:t>trimestral</a:t>
+            </a:r>
+            <a:r>
+              <a:rPr lang="es-ES" dirty="0">
+                <a:sym typeface="Wingdings" panose="05000000000000000000" pitchFamily="2" charset="2"/>
+              </a:rPr>
+              <a:t>.</a:t>
+            </a:r>
+          </a:p>
+          <a:p>
+            <a:pPr lvl="1">
+              <a:buFont typeface="Courier New" panose="02070309020205020404" pitchFamily="49" charset="0"/>
+              <a:buChar char="o"/>
+            </a:pPr>
+            <a:r>
+              <a:rPr lang="es-ES" sz="1800" b="1" dirty="0"/>
+              <a:t>Pago de máquinas virtuales </a:t>
+            </a:r>
+            <a:r>
+              <a:rPr lang="es-ES" sz="1800" dirty="0"/>
+              <a:t>no gratuitas en caso de uso.</a:t>
+            </a:r>
+          </a:p>
+          <a:p>
+            <a:pPr lvl="1">
+              <a:buFont typeface="Courier New" panose="02070309020205020404" pitchFamily="49" charset="0"/>
+              <a:buChar char="o"/>
+            </a:pPr>
+            <a:r>
+              <a:rPr lang="es-ES" sz="1800" dirty="0"/>
+              <a:t>Contrato de </a:t>
+            </a:r>
+            <a:r>
+              <a:rPr lang="es-ES" sz="1800" b="1" dirty="0"/>
+              <a:t>soporte premium</a:t>
+            </a:r>
+          </a:p>
+        </p:txBody>
+      </p:sp>
+      <p:sp>
+        <p:nvSpPr>
+          <p:cNvPr id="8" name="Título 1">
+            <a:extLst>
+              <a:ext uri="{FF2B5EF4-FFF2-40B4-BE49-F238E27FC236}">
+                <a16:creationId xmlns:a16="http://schemas.microsoft.com/office/drawing/2014/main" id="{1EDD3AB4-0E79-47D9-9004-01DDEC7B0D09}"/>
+              </a:ext>
+            </a:extLst>
+          </p:cNvPr>
+          <p:cNvSpPr txBox="1">
+            <a:spLocks/>
+          </p:cNvSpPr>
+          <p:nvPr/>
+        </p:nvSpPr>
+        <p:spPr bwMode="black">
+          <a:xfrm>
+            <a:off x="2231136" y="527370"/>
+            <a:ext cx="7729728" cy="1188720"/>
+          </a:xfrm>
+          <a:prstGeom prst="rect">
+            <a:avLst/>
+          </a:prstGeom>
+          <a:solidFill>
+            <a:srgbClr val="FFFFFF"/>
+          </a:solidFill>
+          <a:ln w="31750" cap="sq">
+            <a:solidFill>
+              <a:srgbClr val="404040"/>
+            </a:solidFill>
+            <a:miter lim="800000"/>
+          </a:ln>
+        </p:spPr>
+        <p:txBody>
+          <a:bodyPr vert="horz" lIns="182880" tIns="182880" rIns="182880" bIns="182880" rtlCol="0" anchor="ctr">
+            <a:normAutofit/>
+          </a:bodyPr>
+          <a:lstStyle>
+            <a:lvl1pPr algn="ctr" defTabSz="914400" rtl="0" eaLnBrk="1" latinLnBrk="0" hangingPunct="1">
+              <a:lnSpc>
+                <a:spcPct val="90000"/>
+              </a:lnSpc>
+              <a:spcBef>
+                <a:spcPct val="0"/>
+              </a:spcBef>
+              <a:buNone/>
+              <a:defRPr sz="2800" kern="1200" cap="all" spc="200" baseline="0">
+                <a:solidFill>
+                  <a:srgbClr val="262626"/>
+                </a:solidFill>
+                <a:latin typeface="+mj-lt"/>
+                <a:ea typeface="+mj-ea"/>
+                <a:cs typeface="+mj-cs"/>
+              </a:defRPr>
+            </a:lvl1pPr>
+          </a:lstStyle>
+          <a:p>
+            <a:r>
+              <a:rPr lang="es-ES" dirty="0"/>
+              <a:t>MONAX/ERIS</a:t>
             </a:r>
           </a:p>
         </p:txBody>
@@ -8110,7 +8967,7 @@
     </p:spTree>
     <p:extLst>
       <p:ext uri="{BB962C8B-B14F-4D97-AF65-F5344CB8AC3E}">
-        <p14:creationId xmlns:p14="http://schemas.microsoft.com/office/powerpoint/2010/main" val="2015698880"/>
+        <p14:creationId xmlns:p14="http://schemas.microsoft.com/office/powerpoint/2010/main" val="1339846398"/>
       </p:ext>
     </p:extLst>
   </p:cSld>
@@ -8139,6 +8996,64 @@
       </p:grpSpPr>
       <p:sp>
         <p:nvSpPr>
+          <p:cNvPr id="4" name="Título 3">
+            <a:extLst>
+              <a:ext uri="{FF2B5EF4-FFF2-40B4-BE49-F238E27FC236}">
+                <a16:creationId xmlns:a16="http://schemas.microsoft.com/office/drawing/2014/main" id="{77F0510F-1690-4E9B-803E-EEBCA3E7BE8C}"/>
+              </a:ext>
+            </a:extLst>
+          </p:cNvPr>
+          <p:cNvSpPr>
+            <a:spLocks noGrp="1"/>
+          </p:cNvSpPr>
+          <p:nvPr>
+            <p:ph type="title"/>
+          </p:nvPr>
+        </p:nvSpPr>
+        <p:spPr/>
+        <p:txBody>
+          <a:bodyPr/>
+          <a:lstStyle/>
+          <a:p>
+            <a:r>
+              <a:rPr lang="es-ES" dirty="0"/>
+              <a:t>Conclusión</a:t>
+            </a:r>
+          </a:p>
+        </p:txBody>
+      </p:sp>
+    </p:spTree>
+    <p:extLst>
+      <p:ext uri="{BB962C8B-B14F-4D97-AF65-F5344CB8AC3E}">
+        <p14:creationId xmlns:p14="http://schemas.microsoft.com/office/powerpoint/2010/main" val="2015698880"/>
+      </p:ext>
+    </p:extLst>
+  </p:cSld>
+  <p:clrMapOvr>
+    <a:masterClrMapping/>
+  </p:clrMapOvr>
+</p:sld>
+</file>
+
+<file path=ppt/slides/slide44.xml><?xml version="1.0" encoding="utf-8"?>
+<p:sld xmlns:a="http://schemas.openxmlformats.org/drawingml/2006/main" xmlns:r="http://schemas.openxmlformats.org/officeDocument/2006/relationships" xmlns:p="http://schemas.openxmlformats.org/presentationml/2006/main">
+  <p:cSld>
+    <p:spTree>
+      <p:nvGrpSpPr>
+        <p:cNvPr id="1" name=""/>
+        <p:cNvGrpSpPr/>
+        <p:nvPr/>
+      </p:nvGrpSpPr>
+      <p:grpSpPr>
+        <a:xfrm>
+          <a:off x="0" y="0"/>
+          <a:ext cx="0" cy="0"/>
+          <a:chOff x="0" y="0"/>
+          <a:chExt cx="0" cy="0"/>
+        </a:xfrm>
+      </p:grpSpPr>
+      <p:sp>
+        <p:nvSpPr>
           <p:cNvPr id="2" name="Título 1">
             <a:extLst>
               <a:ext uri="{FF2B5EF4-FFF2-40B4-BE49-F238E27FC236}">
@@ -8239,7 +9154,7 @@
 </p:sld>
 </file>
 
-<file path=ppt/slides/slide44.xml><?xml version="1.0" encoding="utf-8"?>
+<file path=ppt/slides/slide45.xml><?xml version="1.0" encoding="utf-8"?>
 <p:sld xmlns:a="http://schemas.openxmlformats.org/drawingml/2006/main" xmlns:r="http://schemas.openxmlformats.org/officeDocument/2006/relationships" xmlns:p="http://schemas.openxmlformats.org/presentationml/2006/main">
   <p:cSld>
     <p:spTree>
